--- a/doc/Implier - Architecture.pptx
+++ b/doc/Implier - Architecture.pptx
@@ -9,15 +9,14 @@
     <p:sldId id="293" r:id="rId3"/>
     <p:sldId id="292" r:id="rId4"/>
     <p:sldId id="289" r:id="rId5"/>
-    <p:sldId id="300" r:id="rId6"/>
-    <p:sldId id="290" r:id="rId7"/>
-    <p:sldId id="291" r:id="rId8"/>
-    <p:sldId id="294" r:id="rId9"/>
-    <p:sldId id="295" r:id="rId10"/>
-    <p:sldId id="296" r:id="rId11"/>
-    <p:sldId id="297" r:id="rId12"/>
-    <p:sldId id="298" r:id="rId13"/>
-    <p:sldId id="299" r:id="rId14"/>
+    <p:sldId id="290" r:id="rId6"/>
+    <p:sldId id="291" r:id="rId7"/>
+    <p:sldId id="294" r:id="rId8"/>
+    <p:sldId id="295" r:id="rId9"/>
+    <p:sldId id="296" r:id="rId10"/>
+    <p:sldId id="297" r:id="rId11"/>
+    <p:sldId id="298" r:id="rId12"/>
+    <p:sldId id="299" r:id="rId13"/>
   </p:sldIdLst>
   <p:sldSz cx="9144000" cy="6858000" type="screen4x3"/>
   <p:notesSz cx="6858000" cy="9144000"/>
@@ -301,7 +300,7 @@
             <a:fld id="{1D8BD707-D9CF-40AE-B4C6-C98DA3205C09}" type="datetimeFigureOut">
               <a:rPr lang="en-US" smtClean="0"/>
               <a:pPr/>
-              <a:t>3/20/2010</a:t>
+              <a:t>5/8/2010</a:t>
             </a:fld>
             <a:endParaRPr lang="en-US"/>
           </a:p>
@@ -468,7 +467,7 @@
             <a:fld id="{1D8BD707-D9CF-40AE-B4C6-C98DA3205C09}" type="datetimeFigureOut">
               <a:rPr lang="en-US" smtClean="0"/>
               <a:pPr/>
-              <a:t>3/20/2010</a:t>
+              <a:t>5/8/2010</a:t>
             </a:fld>
             <a:endParaRPr lang="en-US"/>
           </a:p>
@@ -645,7 +644,7 @@
             <a:fld id="{1D8BD707-D9CF-40AE-B4C6-C98DA3205C09}" type="datetimeFigureOut">
               <a:rPr lang="en-US" smtClean="0"/>
               <a:pPr/>
-              <a:t>3/20/2010</a:t>
+              <a:t>5/8/2010</a:t>
             </a:fld>
             <a:endParaRPr lang="en-US"/>
           </a:p>
@@ -812,7 +811,7 @@
             <a:fld id="{1D8BD707-D9CF-40AE-B4C6-C98DA3205C09}" type="datetimeFigureOut">
               <a:rPr lang="en-US" smtClean="0"/>
               <a:pPr/>
-              <a:t>3/20/2010</a:t>
+              <a:t>5/8/2010</a:t>
             </a:fld>
             <a:endParaRPr lang="en-US"/>
           </a:p>
@@ -1055,7 +1054,7 @@
             <a:fld id="{1D8BD707-D9CF-40AE-B4C6-C98DA3205C09}" type="datetimeFigureOut">
               <a:rPr lang="en-US" smtClean="0"/>
               <a:pPr/>
-              <a:t>3/20/2010</a:t>
+              <a:t>5/8/2010</a:t>
             </a:fld>
             <a:endParaRPr lang="en-US"/>
           </a:p>
@@ -1340,7 +1339,7 @@
             <a:fld id="{1D8BD707-D9CF-40AE-B4C6-C98DA3205C09}" type="datetimeFigureOut">
               <a:rPr lang="en-US" smtClean="0"/>
               <a:pPr/>
-              <a:t>3/20/2010</a:t>
+              <a:t>5/8/2010</a:t>
             </a:fld>
             <a:endParaRPr lang="en-US"/>
           </a:p>
@@ -1759,7 +1758,7 @@
             <a:fld id="{1D8BD707-D9CF-40AE-B4C6-C98DA3205C09}" type="datetimeFigureOut">
               <a:rPr lang="en-US" smtClean="0"/>
               <a:pPr/>
-              <a:t>3/20/2010</a:t>
+              <a:t>5/8/2010</a:t>
             </a:fld>
             <a:endParaRPr lang="en-US"/>
           </a:p>
@@ -1874,7 +1873,7 @@
             <a:fld id="{1D8BD707-D9CF-40AE-B4C6-C98DA3205C09}" type="datetimeFigureOut">
               <a:rPr lang="en-US" smtClean="0"/>
               <a:pPr/>
-              <a:t>3/20/2010</a:t>
+              <a:t>5/8/2010</a:t>
             </a:fld>
             <a:endParaRPr lang="en-US"/>
           </a:p>
@@ -1966,7 +1965,7 @@
             <a:fld id="{1D8BD707-D9CF-40AE-B4C6-C98DA3205C09}" type="datetimeFigureOut">
               <a:rPr lang="en-US" smtClean="0"/>
               <a:pPr/>
-              <a:t>3/20/2010</a:t>
+              <a:t>5/8/2010</a:t>
             </a:fld>
             <a:endParaRPr lang="en-US"/>
           </a:p>
@@ -2240,7 +2239,7 @@
             <a:fld id="{1D8BD707-D9CF-40AE-B4C6-C98DA3205C09}" type="datetimeFigureOut">
               <a:rPr lang="en-US" smtClean="0"/>
               <a:pPr/>
-              <a:t>3/20/2010</a:t>
+              <a:t>5/8/2010</a:t>
             </a:fld>
             <a:endParaRPr lang="en-US"/>
           </a:p>
@@ -2490,7 +2489,7 @@
             <a:fld id="{1D8BD707-D9CF-40AE-B4C6-C98DA3205C09}" type="datetimeFigureOut">
               <a:rPr lang="en-US" smtClean="0"/>
               <a:pPr/>
-              <a:t>3/20/2010</a:t>
+              <a:t>5/8/2010</a:t>
             </a:fld>
             <a:endParaRPr lang="en-US"/>
           </a:p>
@@ -2700,7 +2699,7 @@
             <a:fld id="{1D8BD707-D9CF-40AE-B4C6-C98DA3205C09}" type="datetimeFigureOut">
               <a:rPr lang="en-US" smtClean="0"/>
               <a:pPr/>
-              <a:t>3/20/2010</a:t>
+              <a:t>5/8/2010</a:t>
             </a:fld>
             <a:endParaRPr lang="en-US"/>
           </a:p>
@@ -3160,138 +3159,6 @@
         <p:spPr/>
         <p:txBody>
           <a:bodyPr>
-            <a:normAutofit fontScale="90000"/>
-          </a:bodyPr>
-          <a:lstStyle/>
-          <a:p>
-            <a:r>
-              <a:rPr lang="en-US" dirty="0"/>
-              <a:t>Implier as an Execution Management System (EMS)</a:t>
-            </a:r>
-          </a:p>
-        </p:txBody>
-      </p:sp>
-      <p:sp>
-        <p:nvSpPr>
-          <p:cNvPr id="3" name="Content Placeholder 2"/>
-          <p:cNvSpPr>
-            <a:spLocks noGrp="1"/>
-          </p:cNvSpPr>
-          <p:nvPr>
-            <p:ph idx="1"/>
-          </p:nvPr>
-        </p:nvSpPr>
-        <p:spPr/>
-        <p:txBody>
-          <a:bodyPr>
-            <a:normAutofit fontScale="85000" lnSpcReduction="10000"/>
-          </a:bodyPr>
-          <a:lstStyle/>
-          <a:p>
-            <a:r>
-              <a:rPr lang="en-US" dirty="0" smtClean="0"/>
-              <a:t>The Implier could also be used to generate prices for synthetic instruments</a:t>
-            </a:r>
-          </a:p>
-          <a:p>
-            <a:r>
-              <a:rPr lang="en-US" dirty="0" smtClean="0"/>
-              <a:t>For example</a:t>
-            </a:r>
-          </a:p>
-          <a:p>
-            <a:pPr lvl="1"/>
-            <a:r>
-              <a:rPr lang="en-US" dirty="0" smtClean="0"/>
-              <a:t>WTI might be offered at 100</a:t>
-            </a:r>
-            <a:endParaRPr lang="en-US" dirty="0"/>
-          </a:p>
-          <a:p>
-            <a:pPr lvl="1"/>
-            <a:r>
-              <a:rPr lang="en-US" dirty="0" smtClean="0"/>
-              <a:t>However, the </a:t>
-            </a:r>
-            <a:r>
-              <a:rPr lang="en-US" dirty="0"/>
-              <a:t>I</a:t>
-            </a:r>
-            <a:r>
-              <a:rPr lang="en-US" dirty="0" smtClean="0"/>
-              <a:t>mplier finds a 5 leg trade that gives WTI at 80</a:t>
-            </a:r>
-          </a:p>
-          <a:p>
-            <a:pPr lvl="1"/>
-            <a:r>
-              <a:rPr lang="en-US" dirty="0" smtClean="0"/>
-              <a:t>A trader would be presented with a synthetic version of WTI that gives the best price, in this case the 5 leg trade.</a:t>
-            </a:r>
-          </a:p>
-          <a:p>
-            <a:pPr lvl="1"/>
-            <a:r>
-              <a:rPr lang="en-US" dirty="0" smtClean="0"/>
-              <a:t>This would happen seamlessly.  From a trader’s perspective they would be trading the same instrument only seeing better prices than the market at large.</a:t>
-            </a:r>
-          </a:p>
-          <a:p>
-            <a:pPr lvl="1"/>
-            <a:endParaRPr lang="en-US" dirty="0" smtClean="0"/>
-          </a:p>
-        </p:txBody>
-      </p:sp>
-    </p:spTree>
-    <p:extLst>
-      <p:ext uri="{BB962C8B-B14F-4D97-AF65-F5344CB8AC3E}">
-        <p14:creationId xmlns:p14="http://schemas.microsoft.com/office/powerpoint/2010/main" val="2872660162"/>
-      </p:ext>
-    </p:extLst>
-  </p:cSld>
-  <p:clrMapOvr>
-    <a:masterClrMapping/>
-  </p:clrMapOvr>
-  <p:timing>
-    <p:tnLst>
-      <p:par>
-        <p:cTn xmlns:p14="http://schemas.microsoft.com/office/powerpoint/2010/main" id="1" dur="indefinite" restart="never" nodeType="tmRoot"/>
-      </p:par>
-    </p:tnLst>
-  </p:timing>
-</p:sld>
-</file>
-
-<file path=ppt/slides/slide11.xml><?xml version="1.0" encoding="utf-8"?>
-<p:sld xmlns:a="http://schemas.openxmlformats.org/drawingml/2006/main" xmlns:r="http://schemas.openxmlformats.org/officeDocument/2006/relationships" xmlns:p="http://schemas.openxmlformats.org/presentationml/2006/main">
-  <p:cSld>
-    <p:spTree>
-      <p:nvGrpSpPr>
-        <p:cNvPr id="1" name=""/>
-        <p:cNvGrpSpPr/>
-        <p:nvPr/>
-      </p:nvGrpSpPr>
-      <p:grpSpPr>
-        <a:xfrm>
-          <a:off x="0" y="0"/>
-          <a:ext cx="0" cy="0"/>
-          <a:chOff x="0" y="0"/>
-          <a:chExt cx="0" cy="0"/>
-        </a:xfrm>
-      </p:grpSpPr>
-      <p:sp>
-        <p:nvSpPr>
-          <p:cNvPr id="2" name="Title 1"/>
-          <p:cNvSpPr>
-            <a:spLocks noGrp="1"/>
-          </p:cNvSpPr>
-          <p:nvPr>
-            <p:ph type="title"/>
-          </p:nvPr>
-        </p:nvSpPr>
-        <p:spPr/>
-        <p:txBody>
-          <a:bodyPr>
             <a:normAutofit/>
           </a:bodyPr>
           <a:lstStyle/>
@@ -3321,7 +3188,9 @@
           </a:xfrm>
         </p:spPr>
         <p:txBody>
-          <a:bodyPr/>
+          <a:bodyPr>
+            <a:normAutofit fontScale="92500" lnSpcReduction="20000"/>
+          </a:bodyPr>
           <a:lstStyle/>
           <a:p>
             <a:r>
@@ -3367,6 +3236,25 @@
               <a:rPr lang="en-US" dirty="0" smtClean="0"/>
               <a:t>Significantly faster than Excel and Visual Basic</a:t>
             </a:r>
+          </a:p>
+          <a:p>
+            <a:r>
+              <a:rPr lang="en-US" dirty="0" smtClean="0"/>
+              <a:t>Windows Presentation Foundation</a:t>
+            </a:r>
+            <a:endParaRPr lang="en-US" dirty="0"/>
+          </a:p>
+          <a:p>
+            <a:pPr lvl="1"/>
+            <a:r>
+              <a:rPr lang="en-US" dirty="0" smtClean="0"/>
+              <a:t>Next generation windowing toolkit</a:t>
+            </a:r>
+            <a:endParaRPr lang="en-US" dirty="0"/>
+          </a:p>
+          <a:p>
+            <a:pPr lvl="1"/>
+            <a:endParaRPr lang="en-US" dirty="0" smtClean="0"/>
           </a:p>
         </p:txBody>
       </p:sp>
@@ -3454,7 +3342,7 @@
 </p:sld>
 </file>
 
-<file path=ppt/slides/slide12.xml><?xml version="1.0" encoding="utf-8"?>
+<file path=ppt/slides/slide11.xml><?xml version="1.0" encoding="utf-8"?>
 <p:sld xmlns:a="http://schemas.openxmlformats.org/drawingml/2006/main" xmlns:r="http://schemas.openxmlformats.org/officeDocument/2006/relationships" xmlns:p="http://schemas.openxmlformats.org/presentationml/2006/main">
   <p:cSld>
     <p:spTree>
@@ -3471,9 +3359,81 @@
           <a:chExt cx="0" cy="0"/>
         </a:xfrm>
       </p:grpSpPr>
+      <p:sp>
+        <p:nvSpPr>
+          <p:cNvPr id="2" name="Title 1"/>
+          <p:cNvSpPr>
+            <a:spLocks noGrp="1"/>
+          </p:cNvSpPr>
+          <p:nvPr>
+            <p:ph type="title"/>
+          </p:nvPr>
+        </p:nvSpPr>
+        <p:spPr/>
+        <p:txBody>
+          <a:bodyPr>
+            <a:normAutofit/>
+          </a:bodyPr>
+          <a:lstStyle/>
+          <a:p>
+            <a:r>
+              <a:rPr lang="en-US" dirty="0" smtClean="0"/>
+              <a:t>Implier 2.0</a:t>
+            </a:r>
+            <a:endParaRPr lang="en-US" dirty="0"/>
+          </a:p>
+        </p:txBody>
+      </p:sp>
+      <p:sp>
+        <p:nvSpPr>
+          <p:cNvPr id="4" name="Content Placeholder 3"/>
+          <p:cNvSpPr>
+            <a:spLocks noGrp="1"/>
+          </p:cNvSpPr>
+          <p:nvPr>
+            <p:ph idx="1"/>
+          </p:nvPr>
+        </p:nvSpPr>
+        <p:spPr>
+          <a:xfrm>
+            <a:off x="152400" y="4038600"/>
+            <a:ext cx="8610600" cy="2087563"/>
+          </a:xfrm>
+        </p:spPr>
+        <p:txBody>
+          <a:bodyPr>
+            <a:normAutofit fontScale="85000" lnSpcReduction="20000"/>
+          </a:bodyPr>
+          <a:lstStyle/>
+          <a:p>
+            <a:r>
+              <a:rPr lang="en-US" dirty="0" smtClean="0"/>
+              <a:t>Decouple Implier server and client components</a:t>
+            </a:r>
+          </a:p>
+          <a:p>
+            <a:r>
+              <a:rPr lang="en-US" dirty="0" smtClean="0"/>
+              <a:t>Allows the Implier server to run independently of the client interface</a:t>
+            </a:r>
+          </a:p>
+          <a:p>
+            <a:r>
+              <a:rPr lang="en-US" dirty="0" smtClean="0"/>
+              <a:t>This reduces latency for the pure arbitrage scenario</a:t>
+            </a:r>
+          </a:p>
+          <a:p>
+            <a:r>
+              <a:rPr lang="en-US" dirty="0" smtClean="0"/>
+              <a:t>Multiple clients could be supported by a single server</a:t>
+            </a:r>
+          </a:p>
+        </p:txBody>
+      </p:sp>
       <p:pic>
         <p:nvPicPr>
-          <p:cNvPr id="7174" name="Picture 6"/>
+          <p:cNvPr id="1026" name="Picture 2"/>
           <p:cNvPicPr>
             <a:picLocks noChangeAspect="1" noChangeArrowheads="1"/>
           </p:cNvPicPr>
@@ -3494,7 +3454,7 @@
         </p:blipFill>
         <p:spPr bwMode="auto">
           <a:xfrm>
-            <a:off x="1752600" y="1143000"/>
+            <a:off x="1776413" y="1152525"/>
             <a:ext cx="5591175" cy="2886075"/>
           </a:xfrm>
           <a:prstGeom prst="rect">
@@ -3535,78 +3495,6 @@
           </a:extLst>
         </p:spPr>
       </p:pic>
-      <p:sp>
-        <p:nvSpPr>
-          <p:cNvPr id="2" name="Title 1"/>
-          <p:cNvSpPr>
-            <a:spLocks noGrp="1"/>
-          </p:cNvSpPr>
-          <p:nvPr>
-            <p:ph type="title"/>
-          </p:nvPr>
-        </p:nvSpPr>
-        <p:spPr/>
-        <p:txBody>
-          <a:bodyPr>
-            <a:normAutofit/>
-          </a:bodyPr>
-          <a:lstStyle/>
-          <a:p>
-            <a:r>
-              <a:rPr lang="en-US" dirty="0" smtClean="0"/>
-              <a:t>Implier 2.0</a:t>
-            </a:r>
-            <a:endParaRPr lang="en-US" dirty="0"/>
-          </a:p>
-        </p:txBody>
-      </p:sp>
-      <p:sp>
-        <p:nvSpPr>
-          <p:cNvPr id="4" name="Content Placeholder 3"/>
-          <p:cNvSpPr>
-            <a:spLocks noGrp="1"/>
-          </p:cNvSpPr>
-          <p:nvPr>
-            <p:ph idx="1"/>
-          </p:nvPr>
-        </p:nvSpPr>
-        <p:spPr>
-          <a:xfrm>
-            <a:off x="152400" y="4038600"/>
-            <a:ext cx="8610600" cy="2087563"/>
-          </a:xfrm>
-        </p:spPr>
-        <p:txBody>
-          <a:bodyPr>
-            <a:normAutofit fontScale="85000" lnSpcReduction="20000"/>
-          </a:bodyPr>
-          <a:lstStyle/>
-          <a:p>
-            <a:r>
-              <a:rPr lang="en-US" dirty="0" smtClean="0"/>
-              <a:t>Decouple Implier server and client components</a:t>
-            </a:r>
-          </a:p>
-          <a:p>
-            <a:r>
-              <a:rPr lang="en-US" dirty="0" smtClean="0"/>
-              <a:t>Allows the Implier server to run independently of the client interface</a:t>
-            </a:r>
-          </a:p>
-          <a:p>
-            <a:r>
-              <a:rPr lang="en-US" dirty="0" smtClean="0"/>
-              <a:t>This reduces latency for the pure arbitrage scenario</a:t>
-            </a:r>
-          </a:p>
-          <a:p>
-            <a:r>
-              <a:rPr lang="en-US" dirty="0" smtClean="0"/>
-              <a:t>Multiple clients could be supported by a single server</a:t>
-            </a:r>
-          </a:p>
-        </p:txBody>
-      </p:sp>
     </p:spTree>
     <p:extLst>
       <p:ext uri="{BB962C8B-B14F-4D97-AF65-F5344CB8AC3E}">
@@ -3627,7 +3515,7 @@
 </p:sld>
 </file>
 
-<file path=ppt/slides/slide13.xml><?xml version="1.0" encoding="utf-8"?>
+<file path=ppt/slides/slide12.xml><?xml version="1.0" encoding="utf-8"?>
 <p:sld xmlns:a="http://schemas.openxmlformats.org/drawingml/2006/main" xmlns:r="http://schemas.openxmlformats.org/officeDocument/2006/relationships" xmlns:p="http://schemas.openxmlformats.org/presentationml/2006/main">
   <p:cSld>
     <p:spTree>
@@ -3682,21 +3570,13 @@
         <p:spPr/>
         <p:txBody>
           <a:bodyPr>
-            <a:normAutofit/>
+            <a:normAutofit fontScale="92500" lnSpcReduction="10000"/>
           </a:bodyPr>
           <a:lstStyle/>
           <a:p>
             <a:r>
               <a:rPr lang="en-US" dirty="0" smtClean="0"/>
-              <a:t>Consider rewriting the engine component in </a:t>
-            </a:r>
-            <a:r>
-              <a:rPr lang="en-US" dirty="0" err="1" smtClean="0"/>
-              <a:t>Erlang</a:t>
-            </a:r>
-            <a:r>
-              <a:rPr lang="en-US" dirty="0" smtClean="0"/>
-              <a:t> to take advantage of multicore processors</a:t>
+              <a:t>Consider rewriting the engine component in F# to take advantage of multicore processors</a:t>
             </a:r>
           </a:p>
           <a:p>
@@ -3705,21 +3585,21 @@
               <a:rPr lang="en-US" dirty="0">
                 <a:hlinkClick r:id="rId2"/>
               </a:rPr>
-              <a:t>http://erlang.org</a:t>
+              <a:t>http://</a:t>
             </a:r>
             <a:r>
               <a:rPr lang="en-US" dirty="0" smtClean="0">
                 <a:hlinkClick r:id="rId2"/>
               </a:rPr>
-              <a:t>/</a:t>
-            </a:r>
-            <a:endParaRPr lang="en-US" dirty="0" smtClean="0"/>
+              <a:t>msdn.microsoft.com/en-us/fsharp/default.aspx</a:t>
+            </a:r>
+            <a:endParaRPr lang="en-US" dirty="0"/>
           </a:p>
           <a:p>
             <a:pPr lvl="1"/>
             <a:r>
               <a:rPr lang="en-US" dirty="0" smtClean="0"/>
-              <a:t>Would require wrapping </a:t>
+              <a:t>Would allow use of .NET C# </a:t>
             </a:r>
             <a:r>
               <a:rPr lang="en-US" dirty="0" err="1" smtClean="0"/>
@@ -3727,18 +3607,26 @@
             </a:r>
             <a:r>
               <a:rPr lang="en-US" dirty="0" smtClean="0"/>
-              <a:t> engine in </a:t>
+              <a:t> </a:t>
+            </a:r>
+            <a:r>
+              <a:rPr lang="en-US" dirty="0" smtClean="0"/>
+              <a:t>API</a:t>
+            </a:r>
+            <a:endParaRPr lang="en-US" dirty="0" smtClean="0"/>
+          </a:p>
+          <a:p>
+            <a:r>
+              <a:rPr lang="en-US" dirty="0" smtClean="0"/>
+              <a:t>Consider using Microsoft </a:t>
             </a:r>
             <a:r>
               <a:rPr lang="en-US" dirty="0" err="1" smtClean="0"/>
-              <a:t>Erlang</a:t>
-            </a:r>
-            <a:endParaRPr lang="en-US" dirty="0" smtClean="0"/>
-          </a:p>
-          <a:p>
-            <a:r>
-              <a:rPr lang="en-US" dirty="0" smtClean="0"/>
-              <a:t>Consider outsourcing aspects of development to Ben’s Russian contacts</a:t>
+              <a:t>AppFabric</a:t>
+            </a:r>
+            <a:r>
+              <a:rPr lang="en-US" dirty="0" smtClean="0"/>
+              <a:t> to share spread matrix state across multiple GUIs</a:t>
             </a:r>
             <a:endParaRPr lang="en-US" dirty="0"/>
           </a:p>
@@ -3748,11 +3636,39 @@
               <a:rPr lang="en-US" dirty="0">
                 <a:hlinkClick r:id="rId3"/>
               </a:rPr>
-              <a:t>http://quantumsoft.ru</a:t>
+              <a:t>http://</a:t>
             </a:r>
             <a:r>
               <a:rPr lang="en-US" dirty="0" smtClean="0">
                 <a:hlinkClick r:id="rId3"/>
+              </a:rPr>
+              <a:t>msdn.microsoft.com/en-gb/windowsserver/ee695849.aspx</a:t>
+            </a:r>
+            <a:endParaRPr lang="en-US" dirty="0" smtClean="0"/>
+          </a:p>
+          <a:p>
+            <a:r>
+              <a:rPr lang="en-US" dirty="0" smtClean="0"/>
+              <a:t>Increase outsourcing to Ben’s Russian contacts</a:t>
+            </a:r>
+          </a:p>
+          <a:p>
+            <a:pPr lvl="1"/>
+            <a:r>
+              <a:rPr lang="en-US" dirty="0" smtClean="0">
+                <a:hlinkClick r:id="rId4"/>
+              </a:rPr>
+              <a:t>http</a:t>
+            </a:r>
+            <a:r>
+              <a:rPr lang="en-US" dirty="0">
+                <a:hlinkClick r:id="rId4"/>
+              </a:rPr>
+              <a:t>://quantumsoft.ru</a:t>
+            </a:r>
+            <a:r>
+              <a:rPr lang="en-US" dirty="0" smtClean="0">
+                <a:hlinkClick r:id="rId4"/>
               </a:rPr>
               <a:t>/</a:t>
             </a:r>
@@ -3861,7 +3777,11 @@
           <a:p>
             <a:r>
               <a:rPr lang="en-US" dirty="0" smtClean="0"/>
-              <a:t>Direct access to many exchanges is via FIX, including</a:t>
+              <a:t>Direct </a:t>
+            </a:r>
+            <a:r>
+              <a:rPr lang="en-US" dirty="0" smtClean="0"/>
+              <a:t>access to many exchanges is via FIX, including</a:t>
             </a:r>
           </a:p>
           <a:p>
@@ -3887,15 +3807,7 @@
           <a:p>
             <a:r>
               <a:rPr lang="en-US" dirty="0" smtClean="0"/>
-              <a:t>New exchanges such as the Brazilian Mercantile and Futures </a:t>
-            </a:r>
-            <a:r>
-              <a:rPr lang="en-US" dirty="0" smtClean="0"/>
-              <a:t>Exchange </a:t>
-            </a:r>
-            <a:r>
-              <a:rPr lang="en-US" dirty="0" smtClean="0"/>
-              <a:t>are built on FIX</a:t>
+              <a:t>New exchanges such as the Brazilian Mercantile and Futures Exchange are built on FIX</a:t>
             </a:r>
           </a:p>
           <a:p>
@@ -4205,27 +4117,15 @@
           <a:p>
             <a:pPr lvl="2"/>
             <a:r>
-              <a:rPr lang="en-US" dirty="0"/>
-              <a:t>Use one of Ben’s computers </a:t>
-            </a:r>
-            <a:r>
-              <a:rPr lang="en-US" dirty="0" smtClean="0"/>
-              <a:t>initially</a:t>
+              <a:rPr lang="en-US" dirty="0" smtClean="0"/>
+              <a:t>Use a virtual machine at Schneider initially – no cost</a:t>
             </a:r>
           </a:p>
           <a:p>
             <a:pPr lvl="2"/>
             <a:r>
               <a:rPr lang="en-US" dirty="0" smtClean="0"/>
-              <a:t>Potentially </a:t>
-            </a:r>
-            <a:r>
-              <a:rPr lang="en-US" dirty="0"/>
-              <a:t>upgrade </a:t>
-            </a:r>
-            <a:r>
-              <a:rPr lang="en-US" dirty="0" smtClean="0"/>
-              <a:t>later – £2000-£4500</a:t>
+              <a:t>Move to physical kit later – cost associated with this</a:t>
             </a:r>
             <a:endParaRPr lang="en-US" dirty="0"/>
           </a:p>
@@ -4287,1041 +4187,6 @@
 </file>
 
 <file path=ppt/slides/slide5.xml><?xml version="1.0" encoding="utf-8"?>
-<p:sld xmlns:a="http://schemas.openxmlformats.org/drawingml/2006/main" xmlns:r="http://schemas.openxmlformats.org/officeDocument/2006/relationships" xmlns:p="http://schemas.openxmlformats.org/presentationml/2006/main">
-  <p:cSld>
-    <p:spTree>
-      <p:nvGrpSpPr>
-        <p:cNvPr id="1" name=""/>
-        <p:cNvGrpSpPr/>
-        <p:nvPr/>
-      </p:nvGrpSpPr>
-      <p:grpSpPr>
-        <a:xfrm>
-          <a:off x="0" y="0"/>
-          <a:ext cx="0" cy="0"/>
-          <a:chOff x="0" y="0"/>
-          <a:chExt cx="0" cy="0"/>
-        </a:xfrm>
-      </p:grpSpPr>
-      <p:sp>
-        <p:nvSpPr>
-          <p:cNvPr id="2" name="Title 1"/>
-          <p:cNvSpPr>
-            <a:spLocks noGrp="1"/>
-          </p:cNvSpPr>
-          <p:nvPr>
-            <p:ph type="title"/>
-          </p:nvPr>
-        </p:nvSpPr>
-        <p:spPr/>
-        <p:txBody>
-          <a:bodyPr>
-            <a:normAutofit/>
-          </a:bodyPr>
-          <a:lstStyle/>
-          <a:p>
-            <a:r>
-              <a:rPr lang="en-US" dirty="0" smtClean="0"/>
-              <a:t>Server Costs</a:t>
-            </a:r>
-            <a:endParaRPr lang="en-US" dirty="0"/>
-          </a:p>
-        </p:txBody>
-      </p:sp>
-      <p:sp>
-        <p:nvSpPr>
-          <p:cNvPr id="3" name="Content Placeholder 2"/>
-          <p:cNvSpPr>
-            <a:spLocks noGrp="1"/>
-          </p:cNvSpPr>
-          <p:nvPr>
-            <p:ph idx="1"/>
-          </p:nvPr>
-        </p:nvSpPr>
-        <p:spPr>
-          <a:xfrm>
-            <a:off x="457200" y="1295400"/>
-            <a:ext cx="8229600" cy="1981200"/>
-          </a:xfrm>
-        </p:spPr>
-        <p:txBody>
-          <a:bodyPr>
-            <a:normAutofit fontScale="70000" lnSpcReduction="20000"/>
-          </a:bodyPr>
-          <a:lstStyle/>
-          <a:p>
-            <a:r>
-              <a:rPr lang="en-US" dirty="0" smtClean="0"/>
-              <a:t>Server would run</a:t>
-            </a:r>
-          </a:p>
-          <a:p>
-            <a:pPr lvl="1"/>
-            <a:r>
-              <a:rPr lang="en-US" dirty="0" err="1"/>
-              <a:t>Implier</a:t>
-            </a:r>
-            <a:endParaRPr lang="en-US" dirty="0"/>
-          </a:p>
-          <a:p>
-            <a:pPr lvl="1"/>
-            <a:r>
-              <a:rPr lang="en-US" dirty="0" smtClean="0"/>
-              <a:t>Trading Technologies FIX Adapter</a:t>
-            </a:r>
-          </a:p>
-          <a:p>
-            <a:pPr lvl="1"/>
-            <a:r>
-              <a:rPr lang="en-US" dirty="0" smtClean="0"/>
-              <a:t>Trading Technologies </a:t>
-            </a:r>
-            <a:r>
-              <a:rPr lang="en-US" dirty="0" err="1" smtClean="0"/>
-              <a:t>XTrader</a:t>
-            </a:r>
-            <a:endParaRPr lang="en-US" dirty="0" smtClean="0"/>
-          </a:p>
-          <a:p>
-            <a:r>
-              <a:rPr lang="en-US" dirty="0" smtClean="0"/>
-              <a:t>£2000-£4500 depending on options</a:t>
-            </a:r>
-          </a:p>
-          <a:p>
-            <a:r>
-              <a:rPr lang="en-US" dirty="0" smtClean="0"/>
-              <a:t>Extreme high end shown below:</a:t>
-            </a:r>
-          </a:p>
-        </p:txBody>
-      </p:sp>
-      <p:graphicFrame>
-        <p:nvGraphicFramePr>
-          <p:cNvPr id="4" name="Table 3"/>
-          <p:cNvGraphicFramePr>
-            <a:graphicFrameLocks noGrp="1"/>
-          </p:cNvGraphicFramePr>
-          <p:nvPr>
-            <p:extLst>
-              <p:ext uri="{D42A27DB-BD31-4B8C-83A1-F6EECF244321}">
-                <p14:modId xmlns:p14="http://schemas.microsoft.com/office/powerpoint/2010/main" val="2667456738"/>
-              </p:ext>
-            </p:extLst>
-          </p:nvPr>
-        </p:nvGraphicFramePr>
-        <p:xfrm>
-          <a:off x="990600" y="3352800"/>
-          <a:ext cx="7156448" cy="3164205"/>
-        </p:xfrm>
-        <a:graphic>
-          <a:graphicData uri="http://schemas.openxmlformats.org/drawingml/2006/table">
-            <a:tbl>
-              <a:tblPr>
-                <a:tableStyleId>{5C22544A-7EE6-4342-B048-85BDC9FD1C3A}</a:tableStyleId>
-              </a:tblPr>
-              <a:tblGrid>
-                <a:gridCol w="1493383"/>
-                <a:gridCol w="3316882"/>
-                <a:gridCol w="837081"/>
-                <a:gridCol w="754551"/>
-                <a:gridCol w="754551"/>
-              </a:tblGrid>
-              <a:tr h="381000">
-                <a:tc>
-                  <a:txBody>
-                    <a:bodyPr/>
-                    <a:lstStyle/>
-                    <a:p>
-                      <a:pPr algn="l" fontAlgn="b"/>
-                      <a:endParaRPr lang="en-US" sz="1600" b="0" i="0" u="none" strike="noStrike" dirty="0">
-                        <a:solidFill>
-                          <a:srgbClr xmlns:mc="http://schemas.openxmlformats.org/markup-compatibility/2006" xmlns:a14="http://schemas.microsoft.com/office/drawing/2010/main" val="000000" mc:Ignorable=""/>
-                        </a:solidFill>
-                        <a:effectLst/>
-                        <a:latin typeface="Calibri"/>
-                      </a:endParaRPr>
-                    </a:p>
-                  </a:txBody>
-                  <a:tcPr marL="9525" marR="9525" marT="9525" marB="0" anchor="b"/>
-                </a:tc>
-                <a:tc>
-                  <a:txBody>
-                    <a:bodyPr/>
-                    <a:lstStyle/>
-                    <a:p>
-                      <a:pPr algn="l" fontAlgn="b"/>
-                      <a:endParaRPr lang="en-US" sz="1600" b="0" i="0" u="none" strike="noStrike" dirty="0">
-                        <a:solidFill>
-                          <a:srgbClr xmlns:mc="http://schemas.openxmlformats.org/markup-compatibility/2006" xmlns:a14="http://schemas.microsoft.com/office/drawing/2010/main" val="000000" mc:Ignorable=""/>
-                        </a:solidFill>
-                        <a:effectLst/>
-                        <a:latin typeface="Calibri"/>
-                      </a:endParaRPr>
-                    </a:p>
-                  </a:txBody>
-                  <a:tcPr marL="9525" marR="9525" marT="9525" marB="0" anchor="b"/>
-                </a:tc>
-                <a:tc>
-                  <a:txBody>
-                    <a:bodyPr/>
-                    <a:lstStyle/>
-                    <a:p>
-                      <a:pPr algn="l" fontAlgn="b"/>
-                      <a:r>
-                        <a:rPr lang="en-US" sz="1600" u="none" strike="noStrike">
-                          <a:effectLst/>
-                        </a:rPr>
-                        <a:t>Quantity</a:t>
-                      </a:r>
-                      <a:endParaRPr lang="en-US" sz="1600" b="1" i="0" u="none" strike="noStrike">
-                        <a:solidFill>
-                          <a:srgbClr xmlns:mc="http://schemas.openxmlformats.org/markup-compatibility/2006" xmlns:a14="http://schemas.microsoft.com/office/drawing/2010/main" val="000000" mc:Ignorable=""/>
-                        </a:solidFill>
-                        <a:effectLst/>
-                        <a:latin typeface="Calibri"/>
-                      </a:endParaRPr>
-                    </a:p>
-                  </a:txBody>
-                  <a:tcPr marL="9525" marR="9525" marT="9525" marB="0" anchor="b"/>
-                </a:tc>
-                <a:tc>
-                  <a:txBody>
-                    <a:bodyPr/>
-                    <a:lstStyle/>
-                    <a:p>
-                      <a:pPr algn="l" fontAlgn="b"/>
-                      <a:r>
-                        <a:rPr lang="en-US" sz="1600" u="none" strike="noStrike">
-                          <a:effectLst/>
-                        </a:rPr>
-                        <a:t>Price</a:t>
-                      </a:r>
-                      <a:endParaRPr lang="en-US" sz="1600" b="1" i="0" u="none" strike="noStrike">
-                        <a:solidFill>
-                          <a:srgbClr xmlns:mc="http://schemas.openxmlformats.org/markup-compatibility/2006" xmlns:a14="http://schemas.microsoft.com/office/drawing/2010/main" val="000000" mc:Ignorable=""/>
-                        </a:solidFill>
-                        <a:effectLst/>
-                        <a:latin typeface="Calibri"/>
-                      </a:endParaRPr>
-                    </a:p>
-                  </a:txBody>
-                  <a:tcPr marL="9525" marR="9525" marT="9525" marB="0" anchor="b"/>
-                </a:tc>
-                <a:tc>
-                  <a:txBody>
-                    <a:bodyPr/>
-                    <a:lstStyle/>
-                    <a:p>
-                      <a:pPr algn="l" fontAlgn="b"/>
-                      <a:endParaRPr lang="en-US" sz="1600" b="0" i="0" u="none" strike="noStrike">
-                        <a:solidFill>
-                          <a:srgbClr xmlns:mc="http://schemas.openxmlformats.org/markup-compatibility/2006" xmlns:a14="http://schemas.microsoft.com/office/drawing/2010/main" val="000000" mc:Ignorable=""/>
-                        </a:solidFill>
-                        <a:effectLst/>
-                        <a:latin typeface="Calibri"/>
-                      </a:endParaRPr>
-                    </a:p>
-                  </a:txBody>
-                  <a:tcPr marL="9525" marR="9525" marT="9525" marB="0" anchor="b"/>
-                </a:tc>
-              </a:tr>
-              <a:tr h="381000">
-                <a:tc>
-                  <a:txBody>
-                    <a:bodyPr/>
-                    <a:lstStyle/>
-                    <a:p>
-                      <a:pPr algn="l" fontAlgn="b"/>
-                      <a:r>
-                        <a:rPr lang="en-US" sz="1600" u="none" strike="noStrike">
-                          <a:effectLst/>
-                        </a:rPr>
-                        <a:t>Server</a:t>
-                      </a:r>
-                      <a:endParaRPr lang="en-US" sz="1600" b="1" i="0" u="none" strike="noStrike">
-                        <a:solidFill>
-                          <a:srgbClr xmlns:mc="http://schemas.openxmlformats.org/markup-compatibility/2006" xmlns:a14="http://schemas.microsoft.com/office/drawing/2010/main" val="000000" mc:Ignorable=""/>
-                        </a:solidFill>
-                        <a:effectLst/>
-                        <a:latin typeface="Calibri"/>
-                      </a:endParaRPr>
-                    </a:p>
-                  </a:txBody>
-                  <a:tcPr marL="9525" marR="9525" marT="9525" marB="0" anchor="b"/>
-                </a:tc>
-                <a:tc>
-                  <a:txBody>
-                    <a:bodyPr/>
-                    <a:lstStyle/>
-                    <a:p>
-                      <a:pPr algn="l" fontAlgn="b"/>
-                      <a:r>
-                        <a:rPr lang="en-US" sz="1600" u="none" strike="noStrike" dirty="0">
-                          <a:effectLst/>
-                        </a:rPr>
-                        <a:t>Intel SR1630BC</a:t>
-                      </a:r>
-                      <a:endParaRPr lang="en-US" sz="1600" b="0" i="0" u="none" strike="noStrike" dirty="0">
-                        <a:solidFill>
-                          <a:srgbClr xmlns:mc="http://schemas.openxmlformats.org/markup-compatibility/2006" xmlns:a14="http://schemas.microsoft.com/office/drawing/2010/main" val="000000" mc:Ignorable=""/>
-                        </a:solidFill>
-                        <a:effectLst/>
-                        <a:latin typeface="Calibri"/>
-                      </a:endParaRPr>
-                    </a:p>
-                  </a:txBody>
-                  <a:tcPr marL="9525" marR="9525" marT="9525" marB="0" anchor="b"/>
-                </a:tc>
-                <a:tc>
-                  <a:txBody>
-                    <a:bodyPr/>
-                    <a:lstStyle/>
-                    <a:p>
-                      <a:pPr algn="r" fontAlgn="b"/>
-                      <a:r>
-                        <a:rPr lang="en-US" sz="1600" u="none" strike="noStrike">
-                          <a:effectLst/>
-                        </a:rPr>
-                        <a:t>1</a:t>
-                      </a:r>
-                      <a:endParaRPr lang="en-US" sz="1600" b="0" i="0" u="none" strike="noStrike">
-                        <a:solidFill>
-                          <a:srgbClr xmlns:mc="http://schemas.openxmlformats.org/markup-compatibility/2006" xmlns:a14="http://schemas.microsoft.com/office/drawing/2010/main" val="000000" mc:Ignorable=""/>
-                        </a:solidFill>
-                        <a:effectLst/>
-                        <a:latin typeface="Calibri"/>
-                      </a:endParaRPr>
-                    </a:p>
-                  </a:txBody>
-                  <a:tcPr marL="9525" marR="9525" marT="9525" marB="0" anchor="b"/>
-                </a:tc>
-                <a:tc>
-                  <a:txBody>
-                    <a:bodyPr/>
-                    <a:lstStyle/>
-                    <a:p>
-                      <a:pPr algn="r" fontAlgn="b"/>
-                      <a:r>
-                        <a:rPr lang="en-US" sz="1600" u="none" strike="noStrike">
-                          <a:effectLst/>
-                        </a:rPr>
-                        <a:t>596.42</a:t>
-                      </a:r>
-                      <a:endParaRPr lang="en-US" sz="1600" b="0" i="0" u="none" strike="noStrike">
-                        <a:solidFill>
-                          <a:srgbClr xmlns:mc="http://schemas.openxmlformats.org/markup-compatibility/2006" xmlns:a14="http://schemas.microsoft.com/office/drawing/2010/main" val="000000" mc:Ignorable=""/>
-                        </a:solidFill>
-                        <a:effectLst/>
-                        <a:latin typeface="Calibri"/>
-                      </a:endParaRPr>
-                    </a:p>
-                  </a:txBody>
-                  <a:tcPr marL="9525" marR="9525" marT="9525" marB="0" anchor="b"/>
-                </a:tc>
-                <a:tc>
-                  <a:txBody>
-                    <a:bodyPr/>
-                    <a:lstStyle/>
-                    <a:p>
-                      <a:pPr algn="r" fontAlgn="b"/>
-                      <a:r>
-                        <a:rPr lang="en-US" sz="1600" u="none" strike="noStrike">
-                          <a:effectLst/>
-                        </a:rPr>
-                        <a:t>596.42</a:t>
-                      </a:r>
-                      <a:endParaRPr lang="en-US" sz="1600" b="0" i="0" u="none" strike="noStrike">
-                        <a:solidFill>
-                          <a:srgbClr xmlns:mc="http://schemas.openxmlformats.org/markup-compatibility/2006" xmlns:a14="http://schemas.microsoft.com/office/drawing/2010/main" val="000000" mc:Ignorable=""/>
-                        </a:solidFill>
-                        <a:effectLst/>
-                        <a:latin typeface="Calibri"/>
-                      </a:endParaRPr>
-                    </a:p>
-                  </a:txBody>
-                  <a:tcPr marL="9525" marR="9525" marT="9525" marB="0" anchor="b"/>
-                </a:tc>
-              </a:tr>
-              <a:tr h="381000">
-                <a:tc>
-                  <a:txBody>
-                    <a:bodyPr/>
-                    <a:lstStyle/>
-                    <a:p>
-                      <a:pPr algn="l" fontAlgn="b"/>
-                      <a:r>
-                        <a:rPr lang="en-US" sz="1600" u="none" strike="noStrike">
-                          <a:effectLst/>
-                        </a:rPr>
-                        <a:t>Processor</a:t>
-                      </a:r>
-                      <a:endParaRPr lang="en-US" sz="1600" b="1" i="0" u="none" strike="noStrike">
-                        <a:solidFill>
-                          <a:srgbClr xmlns:mc="http://schemas.openxmlformats.org/markup-compatibility/2006" xmlns:a14="http://schemas.microsoft.com/office/drawing/2010/main" val="000000" mc:Ignorable=""/>
-                        </a:solidFill>
-                        <a:effectLst/>
-                        <a:latin typeface="Calibri"/>
-                      </a:endParaRPr>
-                    </a:p>
-                  </a:txBody>
-                  <a:tcPr marL="9525" marR="9525" marT="9525" marB="0" anchor="b"/>
-                </a:tc>
-                <a:tc>
-                  <a:txBody>
-                    <a:bodyPr/>
-                    <a:lstStyle/>
-                    <a:p>
-                      <a:pPr algn="l" fontAlgn="b"/>
-                      <a:r>
-                        <a:rPr lang="en-US" sz="1600" u="none" strike="noStrike">
-                          <a:effectLst/>
-                        </a:rPr>
-                        <a:t>Intel Nehalem</a:t>
-                      </a:r>
-                      <a:endParaRPr lang="en-US" sz="1600" b="0" i="0" u="none" strike="noStrike">
-                        <a:solidFill>
-                          <a:srgbClr xmlns:mc="http://schemas.openxmlformats.org/markup-compatibility/2006" xmlns:a14="http://schemas.microsoft.com/office/drawing/2010/main" val="000000" mc:Ignorable=""/>
-                        </a:solidFill>
-                        <a:effectLst/>
-                        <a:latin typeface="Calibri"/>
-                      </a:endParaRPr>
-                    </a:p>
-                  </a:txBody>
-                  <a:tcPr marL="9525" marR="9525" marT="9525" marB="0" anchor="b"/>
-                </a:tc>
-                <a:tc>
-                  <a:txBody>
-                    <a:bodyPr/>
-                    <a:lstStyle/>
-                    <a:p>
-                      <a:pPr algn="r" fontAlgn="b"/>
-                      <a:r>
-                        <a:rPr lang="en-US" sz="1600" u="none" strike="noStrike">
-                          <a:effectLst/>
-                        </a:rPr>
-                        <a:t>2</a:t>
-                      </a:r>
-                      <a:endParaRPr lang="en-US" sz="1600" b="0" i="0" u="none" strike="noStrike">
-                        <a:solidFill>
-                          <a:srgbClr xmlns:mc="http://schemas.openxmlformats.org/markup-compatibility/2006" xmlns:a14="http://schemas.microsoft.com/office/drawing/2010/main" val="000000" mc:Ignorable=""/>
-                        </a:solidFill>
-                        <a:effectLst/>
-                        <a:latin typeface="Calibri"/>
-                      </a:endParaRPr>
-                    </a:p>
-                  </a:txBody>
-                  <a:tcPr marL="9525" marR="9525" marT="9525" marB="0" anchor="b"/>
-                </a:tc>
-                <a:tc>
-                  <a:txBody>
-                    <a:bodyPr/>
-                    <a:lstStyle/>
-                    <a:p>
-                      <a:pPr algn="r" fontAlgn="b"/>
-                      <a:r>
-                        <a:rPr lang="en-US" sz="1600" u="none" strike="noStrike">
-                          <a:effectLst/>
-                        </a:rPr>
-                        <a:t>1319.97</a:t>
-                      </a:r>
-                      <a:endParaRPr lang="en-US" sz="1600" b="0" i="0" u="none" strike="noStrike">
-                        <a:solidFill>
-                          <a:srgbClr xmlns:mc="http://schemas.openxmlformats.org/markup-compatibility/2006" xmlns:a14="http://schemas.microsoft.com/office/drawing/2010/main" val="000000" mc:Ignorable=""/>
-                        </a:solidFill>
-                        <a:effectLst/>
-                        <a:latin typeface="Calibri"/>
-                      </a:endParaRPr>
-                    </a:p>
-                  </a:txBody>
-                  <a:tcPr marL="9525" marR="9525" marT="9525" marB="0" anchor="b"/>
-                </a:tc>
-                <a:tc>
-                  <a:txBody>
-                    <a:bodyPr/>
-                    <a:lstStyle/>
-                    <a:p>
-                      <a:pPr algn="r" fontAlgn="b"/>
-                      <a:r>
-                        <a:rPr lang="en-US" sz="1600" u="none" strike="noStrike">
-                          <a:effectLst/>
-                        </a:rPr>
-                        <a:t>2639.94</a:t>
-                      </a:r>
-                      <a:endParaRPr lang="en-US" sz="1600" b="0" i="0" u="none" strike="noStrike">
-                        <a:solidFill>
-                          <a:srgbClr xmlns:mc="http://schemas.openxmlformats.org/markup-compatibility/2006" xmlns:a14="http://schemas.microsoft.com/office/drawing/2010/main" val="000000" mc:Ignorable=""/>
-                        </a:solidFill>
-                        <a:effectLst/>
-                        <a:latin typeface="Calibri"/>
-                      </a:endParaRPr>
-                    </a:p>
-                  </a:txBody>
-                  <a:tcPr marL="9525" marR="9525" marT="9525" marB="0" anchor="b"/>
-                </a:tc>
-              </a:tr>
-              <a:tr h="381000">
-                <a:tc>
-                  <a:txBody>
-                    <a:bodyPr/>
-                    <a:lstStyle/>
-                    <a:p>
-                      <a:pPr algn="l" fontAlgn="b"/>
-                      <a:r>
-                        <a:rPr lang="en-US" sz="1600" u="none" strike="noStrike">
-                          <a:effectLst/>
-                        </a:rPr>
-                        <a:t>Hard Disk</a:t>
-                      </a:r>
-                      <a:endParaRPr lang="en-US" sz="1600" b="1" i="0" u="none" strike="noStrike">
-                        <a:solidFill>
-                          <a:srgbClr xmlns:mc="http://schemas.openxmlformats.org/markup-compatibility/2006" xmlns:a14="http://schemas.microsoft.com/office/drawing/2010/main" val="000000" mc:Ignorable=""/>
-                        </a:solidFill>
-                        <a:effectLst/>
-                        <a:latin typeface="Calibri"/>
-                      </a:endParaRPr>
-                    </a:p>
-                  </a:txBody>
-                  <a:tcPr marL="9525" marR="9525" marT="9525" marB="0" anchor="b"/>
-                </a:tc>
-                <a:tc>
-                  <a:txBody>
-                    <a:bodyPr/>
-                    <a:lstStyle/>
-                    <a:p>
-                      <a:pPr algn="l" fontAlgn="b"/>
-                      <a:r>
-                        <a:rPr lang="en-US" sz="1600" u="none" strike="noStrike">
-                          <a:effectLst/>
-                        </a:rPr>
-                        <a:t>Wester Digital 2TB</a:t>
-                      </a:r>
-                      <a:endParaRPr lang="en-US" sz="1600" b="0" i="0" u="none" strike="noStrike">
-                        <a:solidFill>
-                          <a:srgbClr xmlns:mc="http://schemas.openxmlformats.org/markup-compatibility/2006" xmlns:a14="http://schemas.microsoft.com/office/drawing/2010/main" val="000000" mc:Ignorable=""/>
-                        </a:solidFill>
-                        <a:effectLst/>
-                        <a:latin typeface="Calibri"/>
-                      </a:endParaRPr>
-                    </a:p>
-                  </a:txBody>
-                  <a:tcPr marL="9525" marR="9525" marT="9525" marB="0" anchor="b"/>
-                </a:tc>
-                <a:tc>
-                  <a:txBody>
-                    <a:bodyPr/>
-                    <a:lstStyle/>
-                    <a:p>
-                      <a:pPr algn="r" fontAlgn="b"/>
-                      <a:r>
-                        <a:rPr lang="en-US" sz="1600" u="none" strike="noStrike">
-                          <a:effectLst/>
-                        </a:rPr>
-                        <a:t>2</a:t>
-                      </a:r>
-                      <a:endParaRPr lang="en-US" sz="1600" b="0" i="0" u="none" strike="noStrike">
-                        <a:solidFill>
-                          <a:srgbClr xmlns:mc="http://schemas.openxmlformats.org/markup-compatibility/2006" xmlns:a14="http://schemas.microsoft.com/office/drawing/2010/main" val="000000" mc:Ignorable=""/>
-                        </a:solidFill>
-                        <a:effectLst/>
-                        <a:latin typeface="Calibri"/>
-                      </a:endParaRPr>
-                    </a:p>
-                  </a:txBody>
-                  <a:tcPr marL="9525" marR="9525" marT="9525" marB="0" anchor="b"/>
-                </a:tc>
-                <a:tc>
-                  <a:txBody>
-                    <a:bodyPr/>
-                    <a:lstStyle/>
-                    <a:p>
-                      <a:pPr algn="r" fontAlgn="b"/>
-                      <a:r>
-                        <a:rPr lang="en-US" sz="1600" u="none" strike="noStrike">
-                          <a:effectLst/>
-                        </a:rPr>
-                        <a:t>112.76</a:t>
-                      </a:r>
-                      <a:endParaRPr lang="en-US" sz="1600" b="0" i="0" u="none" strike="noStrike">
-                        <a:solidFill>
-                          <a:srgbClr xmlns:mc="http://schemas.openxmlformats.org/markup-compatibility/2006" xmlns:a14="http://schemas.microsoft.com/office/drawing/2010/main" val="000000" mc:Ignorable=""/>
-                        </a:solidFill>
-                        <a:effectLst/>
-                        <a:latin typeface="Calibri"/>
-                      </a:endParaRPr>
-                    </a:p>
-                  </a:txBody>
-                  <a:tcPr marL="9525" marR="9525" marT="9525" marB="0" anchor="b"/>
-                </a:tc>
-                <a:tc>
-                  <a:txBody>
-                    <a:bodyPr/>
-                    <a:lstStyle/>
-                    <a:p>
-                      <a:pPr algn="r" fontAlgn="b"/>
-                      <a:r>
-                        <a:rPr lang="en-US" sz="1600" u="none" strike="noStrike">
-                          <a:effectLst/>
-                        </a:rPr>
-                        <a:t>225.52</a:t>
-                      </a:r>
-                      <a:endParaRPr lang="en-US" sz="1600" b="0" i="0" u="none" strike="noStrike">
-                        <a:solidFill>
-                          <a:srgbClr xmlns:mc="http://schemas.openxmlformats.org/markup-compatibility/2006" xmlns:a14="http://schemas.microsoft.com/office/drawing/2010/main" val="000000" mc:Ignorable=""/>
-                        </a:solidFill>
-                        <a:effectLst/>
-                        <a:latin typeface="Calibri"/>
-                      </a:endParaRPr>
-                    </a:p>
-                  </a:txBody>
-                  <a:tcPr marL="9525" marR="9525" marT="9525" marB="0" anchor="b"/>
-                </a:tc>
-              </a:tr>
-              <a:tr h="381000">
-                <a:tc>
-                  <a:txBody>
-                    <a:bodyPr/>
-                    <a:lstStyle/>
-                    <a:p>
-                      <a:pPr algn="l" fontAlgn="b"/>
-                      <a:r>
-                        <a:rPr lang="en-US" sz="1600" u="none" strike="noStrike">
-                          <a:effectLst/>
-                        </a:rPr>
-                        <a:t>Memory</a:t>
-                      </a:r>
-                      <a:endParaRPr lang="en-US" sz="1600" b="1" i="0" u="none" strike="noStrike">
-                        <a:solidFill>
-                          <a:srgbClr xmlns:mc="http://schemas.openxmlformats.org/markup-compatibility/2006" xmlns:a14="http://schemas.microsoft.com/office/drawing/2010/main" val="000000" mc:Ignorable=""/>
-                        </a:solidFill>
-                        <a:effectLst/>
-                        <a:latin typeface="Calibri"/>
-                      </a:endParaRPr>
-                    </a:p>
-                  </a:txBody>
-                  <a:tcPr marL="9525" marR="9525" marT="9525" marB="0" anchor="b"/>
-                </a:tc>
-                <a:tc>
-                  <a:txBody>
-                    <a:bodyPr/>
-                    <a:lstStyle/>
-                    <a:p>
-                      <a:pPr algn="l" fontAlgn="b"/>
-                      <a:r>
-                        <a:rPr lang="en-US" sz="1600" u="none" strike="noStrike" dirty="0">
-                          <a:effectLst/>
-                        </a:rPr>
-                        <a:t>8x2GB</a:t>
-                      </a:r>
-                      <a:endParaRPr lang="en-US" sz="1600" b="0" i="0" u="none" strike="noStrike" dirty="0">
-                        <a:solidFill>
-                          <a:srgbClr xmlns:mc="http://schemas.openxmlformats.org/markup-compatibility/2006" xmlns:a14="http://schemas.microsoft.com/office/drawing/2010/main" val="000000" mc:Ignorable=""/>
-                        </a:solidFill>
-                        <a:effectLst/>
-                        <a:latin typeface="Calibri"/>
-                      </a:endParaRPr>
-                    </a:p>
-                  </a:txBody>
-                  <a:tcPr marL="9525" marR="9525" marT="9525" marB="0" anchor="b"/>
-                </a:tc>
-                <a:tc>
-                  <a:txBody>
-                    <a:bodyPr/>
-                    <a:lstStyle/>
-                    <a:p>
-                      <a:pPr algn="r" fontAlgn="b"/>
-                      <a:r>
-                        <a:rPr lang="en-US" sz="1600" u="none" strike="noStrike">
-                          <a:effectLst/>
-                        </a:rPr>
-                        <a:t>8</a:t>
-                      </a:r>
-                      <a:endParaRPr lang="en-US" sz="1600" b="0" i="0" u="none" strike="noStrike">
-                        <a:solidFill>
-                          <a:srgbClr xmlns:mc="http://schemas.openxmlformats.org/markup-compatibility/2006" xmlns:a14="http://schemas.microsoft.com/office/drawing/2010/main" val="000000" mc:Ignorable=""/>
-                        </a:solidFill>
-                        <a:effectLst/>
-                        <a:latin typeface="Calibri"/>
-                      </a:endParaRPr>
-                    </a:p>
-                  </a:txBody>
-                  <a:tcPr marL="9525" marR="9525" marT="9525" marB="0" anchor="b"/>
-                </a:tc>
-                <a:tc>
-                  <a:txBody>
-                    <a:bodyPr/>
-                    <a:lstStyle/>
-                    <a:p>
-                      <a:pPr algn="r" fontAlgn="b"/>
-                      <a:r>
-                        <a:rPr lang="en-US" sz="1600" u="none" strike="noStrike">
-                          <a:effectLst/>
-                        </a:rPr>
-                        <a:t>52.04</a:t>
-                      </a:r>
-                      <a:endParaRPr lang="en-US" sz="1600" b="0" i="0" u="none" strike="noStrike">
-                        <a:solidFill>
-                          <a:srgbClr xmlns:mc="http://schemas.openxmlformats.org/markup-compatibility/2006" xmlns:a14="http://schemas.microsoft.com/office/drawing/2010/main" val="000000" mc:Ignorable=""/>
-                        </a:solidFill>
-                        <a:effectLst/>
-                        <a:latin typeface="Calibri"/>
-                      </a:endParaRPr>
-                    </a:p>
-                  </a:txBody>
-                  <a:tcPr marL="9525" marR="9525" marT="9525" marB="0" anchor="b"/>
-                </a:tc>
-                <a:tc>
-                  <a:txBody>
-                    <a:bodyPr/>
-                    <a:lstStyle/>
-                    <a:p>
-                      <a:pPr algn="r" fontAlgn="b"/>
-                      <a:r>
-                        <a:rPr lang="en-US" sz="1600" u="none" strike="noStrike">
-                          <a:effectLst/>
-                        </a:rPr>
-                        <a:t>416.32</a:t>
-                      </a:r>
-                      <a:endParaRPr lang="en-US" sz="1600" b="0" i="0" u="none" strike="noStrike">
-                        <a:solidFill>
-                          <a:srgbClr xmlns:mc="http://schemas.openxmlformats.org/markup-compatibility/2006" xmlns:a14="http://schemas.microsoft.com/office/drawing/2010/main" val="000000" mc:Ignorable=""/>
-                        </a:solidFill>
-                        <a:effectLst/>
-                        <a:latin typeface="Calibri"/>
-                      </a:endParaRPr>
-                    </a:p>
-                  </a:txBody>
-                  <a:tcPr marL="9525" marR="9525" marT="9525" marB="0" anchor="b"/>
-                </a:tc>
-              </a:tr>
-              <a:tr h="381000">
-                <a:tc>
-                  <a:txBody>
-                    <a:bodyPr/>
-                    <a:lstStyle/>
-                    <a:p>
-                      <a:pPr algn="l" fontAlgn="b"/>
-                      <a:r>
-                        <a:rPr lang="en-US" sz="1600" u="none" strike="noStrike">
-                          <a:effectLst/>
-                        </a:rPr>
-                        <a:t>Operating System</a:t>
-                      </a:r>
-                      <a:endParaRPr lang="en-US" sz="1600" b="1" i="0" u="none" strike="noStrike">
-                        <a:solidFill>
-                          <a:srgbClr xmlns:mc="http://schemas.openxmlformats.org/markup-compatibility/2006" xmlns:a14="http://schemas.microsoft.com/office/drawing/2010/main" val="000000" mc:Ignorable=""/>
-                        </a:solidFill>
-                        <a:effectLst/>
-                        <a:latin typeface="Calibri"/>
-                      </a:endParaRPr>
-                    </a:p>
-                  </a:txBody>
-                  <a:tcPr marL="9525" marR="9525" marT="9525" marB="0" anchor="b"/>
-                </a:tc>
-                <a:tc>
-                  <a:txBody>
-                    <a:bodyPr/>
-                    <a:lstStyle/>
-                    <a:p>
-                      <a:pPr algn="l" fontAlgn="b"/>
-                      <a:r>
-                        <a:rPr lang="en-US" sz="1600" u="none" strike="noStrike" dirty="0">
-                          <a:effectLst/>
-                        </a:rPr>
-                        <a:t>Microsoft Windows Server Standard 2008 R2</a:t>
-                      </a:r>
-                      <a:endParaRPr lang="en-US" sz="1600" b="0" i="0" u="none" strike="noStrike" dirty="0">
-                        <a:solidFill>
-                          <a:srgbClr xmlns:mc="http://schemas.openxmlformats.org/markup-compatibility/2006" xmlns:a14="http://schemas.microsoft.com/office/drawing/2010/main" val="000000" mc:Ignorable=""/>
-                        </a:solidFill>
-                        <a:effectLst/>
-                        <a:latin typeface="Calibri"/>
-                      </a:endParaRPr>
-                    </a:p>
-                  </a:txBody>
-                  <a:tcPr marL="9525" marR="9525" marT="9525" marB="0" anchor="b"/>
-                </a:tc>
-                <a:tc>
-                  <a:txBody>
-                    <a:bodyPr/>
-                    <a:lstStyle/>
-                    <a:p>
-                      <a:pPr algn="r" fontAlgn="b"/>
-                      <a:r>
-                        <a:rPr lang="en-US" sz="1600" u="none" strike="noStrike">
-                          <a:effectLst/>
-                        </a:rPr>
-                        <a:t>1</a:t>
-                      </a:r>
-                      <a:endParaRPr lang="en-US" sz="1600" b="0" i="0" u="none" strike="noStrike">
-                        <a:solidFill>
-                          <a:srgbClr xmlns:mc="http://schemas.openxmlformats.org/markup-compatibility/2006" xmlns:a14="http://schemas.microsoft.com/office/drawing/2010/main" val="000000" mc:Ignorable=""/>
-                        </a:solidFill>
-                        <a:effectLst/>
-                        <a:latin typeface="Calibri"/>
-                      </a:endParaRPr>
-                    </a:p>
-                  </a:txBody>
-                  <a:tcPr marL="9525" marR="9525" marT="9525" marB="0" anchor="b"/>
-                </a:tc>
-                <a:tc>
-                  <a:txBody>
-                    <a:bodyPr/>
-                    <a:lstStyle/>
-                    <a:p>
-                      <a:pPr algn="r" fontAlgn="b"/>
-                      <a:r>
-                        <a:rPr lang="en-US" sz="1600" u="none" strike="noStrike">
-                          <a:effectLst/>
-                        </a:rPr>
-                        <a:t>631.62</a:t>
-                      </a:r>
-                      <a:endParaRPr lang="en-US" sz="1600" b="0" i="0" u="none" strike="noStrike">
-                        <a:solidFill>
-                          <a:srgbClr xmlns:mc="http://schemas.openxmlformats.org/markup-compatibility/2006" xmlns:a14="http://schemas.microsoft.com/office/drawing/2010/main" val="000000" mc:Ignorable=""/>
-                        </a:solidFill>
-                        <a:effectLst/>
-                        <a:latin typeface="Calibri"/>
-                      </a:endParaRPr>
-                    </a:p>
-                  </a:txBody>
-                  <a:tcPr marL="9525" marR="9525" marT="9525" marB="0" anchor="b"/>
-                </a:tc>
-                <a:tc>
-                  <a:txBody>
-                    <a:bodyPr/>
-                    <a:lstStyle/>
-                    <a:p>
-                      <a:pPr algn="r" fontAlgn="b"/>
-                      <a:r>
-                        <a:rPr lang="en-US" sz="1600" u="none" strike="noStrike">
-                          <a:effectLst/>
-                        </a:rPr>
-                        <a:t>631.62</a:t>
-                      </a:r>
-                      <a:endParaRPr lang="en-US" sz="1600" b="0" i="0" u="none" strike="noStrike">
-                        <a:solidFill>
-                          <a:srgbClr xmlns:mc="http://schemas.openxmlformats.org/markup-compatibility/2006" xmlns:a14="http://schemas.microsoft.com/office/drawing/2010/main" val="000000" mc:Ignorable=""/>
-                        </a:solidFill>
-                        <a:effectLst/>
-                        <a:latin typeface="Calibri"/>
-                      </a:endParaRPr>
-                    </a:p>
-                  </a:txBody>
-                  <a:tcPr marL="9525" marR="9525" marT="9525" marB="0" anchor="b"/>
-                </a:tc>
-              </a:tr>
-              <a:tr h="381000">
-                <a:tc>
-                  <a:txBody>
-                    <a:bodyPr/>
-                    <a:lstStyle/>
-                    <a:p>
-                      <a:pPr algn="l" fontAlgn="b"/>
-                      <a:endParaRPr lang="en-US" sz="1600" b="1" i="0" u="none" strike="noStrike">
-                        <a:solidFill>
-                          <a:srgbClr xmlns:mc="http://schemas.openxmlformats.org/markup-compatibility/2006" xmlns:a14="http://schemas.microsoft.com/office/drawing/2010/main" val="000000" mc:Ignorable=""/>
-                        </a:solidFill>
-                        <a:effectLst/>
-                        <a:latin typeface="Calibri"/>
-                      </a:endParaRPr>
-                    </a:p>
-                  </a:txBody>
-                  <a:tcPr marL="9525" marR="9525" marT="9525" marB="0" anchor="b"/>
-                </a:tc>
-                <a:tc>
-                  <a:txBody>
-                    <a:bodyPr/>
-                    <a:lstStyle/>
-                    <a:p>
-                      <a:pPr algn="l" fontAlgn="b"/>
-                      <a:endParaRPr lang="en-US" sz="1600" b="0" i="0" u="none" strike="noStrike">
-                        <a:solidFill>
-                          <a:srgbClr xmlns:mc="http://schemas.openxmlformats.org/markup-compatibility/2006" xmlns:a14="http://schemas.microsoft.com/office/drawing/2010/main" val="000000" mc:Ignorable=""/>
-                        </a:solidFill>
-                        <a:effectLst/>
-                        <a:latin typeface="Calibri"/>
-                      </a:endParaRPr>
-                    </a:p>
-                  </a:txBody>
-                  <a:tcPr marL="9525" marR="9525" marT="9525" marB="0" anchor="b"/>
-                </a:tc>
-                <a:tc>
-                  <a:txBody>
-                    <a:bodyPr/>
-                    <a:lstStyle/>
-                    <a:p>
-                      <a:pPr algn="l" fontAlgn="b"/>
-                      <a:endParaRPr lang="en-US" sz="1600" b="0" i="0" u="none" strike="noStrike">
-                        <a:solidFill>
-                          <a:srgbClr xmlns:mc="http://schemas.openxmlformats.org/markup-compatibility/2006" xmlns:a14="http://schemas.microsoft.com/office/drawing/2010/main" val="000000" mc:Ignorable=""/>
-                        </a:solidFill>
-                        <a:effectLst/>
-                        <a:latin typeface="Calibri"/>
-                      </a:endParaRPr>
-                    </a:p>
-                  </a:txBody>
-                  <a:tcPr marL="9525" marR="9525" marT="9525" marB="0" anchor="b"/>
-                </a:tc>
-                <a:tc>
-                  <a:txBody>
-                    <a:bodyPr/>
-                    <a:lstStyle/>
-                    <a:p>
-                      <a:pPr algn="l" fontAlgn="b"/>
-                      <a:endParaRPr lang="en-US" sz="1600" b="0" i="0" u="none" strike="noStrike">
-                        <a:solidFill>
-                          <a:srgbClr xmlns:mc="http://schemas.openxmlformats.org/markup-compatibility/2006" xmlns:a14="http://schemas.microsoft.com/office/drawing/2010/main" val="000000" mc:Ignorable=""/>
-                        </a:solidFill>
-                        <a:effectLst/>
-                        <a:latin typeface="Calibri"/>
-                      </a:endParaRPr>
-                    </a:p>
-                  </a:txBody>
-                  <a:tcPr marL="9525" marR="9525" marT="9525" marB="0" anchor="b"/>
-                </a:tc>
-                <a:tc>
-                  <a:txBody>
-                    <a:bodyPr/>
-                    <a:lstStyle/>
-                    <a:p>
-                      <a:pPr algn="l" fontAlgn="b"/>
-                      <a:endParaRPr lang="en-US" sz="1600" b="0" i="0" u="none" strike="noStrike">
-                        <a:solidFill>
-                          <a:srgbClr xmlns:mc="http://schemas.openxmlformats.org/markup-compatibility/2006" xmlns:a14="http://schemas.microsoft.com/office/drawing/2010/main" val="000000" mc:Ignorable=""/>
-                        </a:solidFill>
-                        <a:effectLst/>
-                        <a:latin typeface="Calibri"/>
-                      </a:endParaRPr>
-                    </a:p>
-                  </a:txBody>
-                  <a:tcPr marL="9525" marR="9525" marT="9525" marB="0" anchor="b"/>
-                </a:tc>
-              </a:tr>
-              <a:tr h="381000">
-                <a:tc>
-                  <a:txBody>
-                    <a:bodyPr/>
-                    <a:lstStyle/>
-                    <a:p>
-                      <a:pPr algn="l" fontAlgn="b"/>
-                      <a:r>
-                        <a:rPr lang="en-US" sz="1600" u="none" strike="noStrike">
-                          <a:effectLst/>
-                        </a:rPr>
-                        <a:t>Total</a:t>
-                      </a:r>
-                      <a:endParaRPr lang="en-US" sz="1600" b="1" i="0" u="none" strike="noStrike">
-                        <a:solidFill>
-                          <a:srgbClr xmlns:mc="http://schemas.openxmlformats.org/markup-compatibility/2006" xmlns:a14="http://schemas.microsoft.com/office/drawing/2010/main" val="000000" mc:Ignorable=""/>
-                        </a:solidFill>
-                        <a:effectLst/>
-                        <a:latin typeface="Calibri"/>
-                      </a:endParaRPr>
-                    </a:p>
-                  </a:txBody>
-                  <a:tcPr marL="9525" marR="9525" marT="9525" marB="0" anchor="b"/>
-                </a:tc>
-                <a:tc>
-                  <a:txBody>
-                    <a:bodyPr/>
-                    <a:lstStyle/>
-                    <a:p>
-                      <a:pPr algn="l" fontAlgn="b"/>
-                      <a:endParaRPr lang="en-US" sz="1600" b="0" i="0" u="none" strike="noStrike" dirty="0">
-                        <a:solidFill>
-                          <a:srgbClr xmlns:mc="http://schemas.openxmlformats.org/markup-compatibility/2006" xmlns:a14="http://schemas.microsoft.com/office/drawing/2010/main" val="000000" mc:Ignorable=""/>
-                        </a:solidFill>
-                        <a:effectLst/>
-                        <a:latin typeface="Calibri"/>
-                      </a:endParaRPr>
-                    </a:p>
-                  </a:txBody>
-                  <a:tcPr marL="9525" marR="9525" marT="9525" marB="0" anchor="b"/>
-                </a:tc>
-                <a:tc>
-                  <a:txBody>
-                    <a:bodyPr/>
-                    <a:lstStyle/>
-                    <a:p>
-                      <a:pPr algn="l" fontAlgn="b"/>
-                      <a:endParaRPr lang="en-US" sz="1600" b="0" i="0" u="none" strike="noStrike">
-                        <a:solidFill>
-                          <a:srgbClr xmlns:mc="http://schemas.openxmlformats.org/markup-compatibility/2006" xmlns:a14="http://schemas.microsoft.com/office/drawing/2010/main" val="000000" mc:Ignorable=""/>
-                        </a:solidFill>
-                        <a:effectLst/>
-                        <a:latin typeface="Calibri"/>
-                      </a:endParaRPr>
-                    </a:p>
-                  </a:txBody>
-                  <a:tcPr marL="9525" marR="9525" marT="9525" marB="0" anchor="b"/>
-                </a:tc>
-                <a:tc>
-                  <a:txBody>
-                    <a:bodyPr/>
-                    <a:lstStyle/>
-                    <a:p>
-                      <a:pPr algn="l" fontAlgn="b"/>
-                      <a:endParaRPr lang="en-US" sz="1600" b="0" i="0" u="none" strike="noStrike">
-                        <a:solidFill>
-                          <a:srgbClr xmlns:mc="http://schemas.openxmlformats.org/markup-compatibility/2006" xmlns:a14="http://schemas.microsoft.com/office/drawing/2010/main" val="000000" mc:Ignorable=""/>
-                        </a:solidFill>
-                        <a:effectLst/>
-                        <a:latin typeface="Calibri"/>
-                      </a:endParaRPr>
-                    </a:p>
-                  </a:txBody>
-                  <a:tcPr marL="9525" marR="9525" marT="9525" marB="0" anchor="b"/>
-                </a:tc>
-                <a:tc>
-                  <a:txBody>
-                    <a:bodyPr/>
-                    <a:lstStyle/>
-                    <a:p>
-                      <a:pPr algn="r" fontAlgn="b"/>
-                      <a:r>
-                        <a:rPr lang="en-US" sz="1600" u="none" strike="noStrike" dirty="0">
-                          <a:effectLst/>
-                        </a:rPr>
-                        <a:t>4509.82</a:t>
-                      </a:r>
-                      <a:endParaRPr lang="en-US" sz="1600" b="0" i="0" u="none" strike="noStrike" dirty="0">
-                        <a:solidFill>
-                          <a:srgbClr xmlns:mc="http://schemas.openxmlformats.org/markup-compatibility/2006" xmlns:a14="http://schemas.microsoft.com/office/drawing/2010/main" val="000000" mc:Ignorable=""/>
-                        </a:solidFill>
-                        <a:effectLst/>
-                        <a:latin typeface="Calibri"/>
-                      </a:endParaRPr>
-                    </a:p>
-                  </a:txBody>
-                  <a:tcPr marL="9525" marR="9525" marT="9525" marB="0" anchor="b"/>
-                </a:tc>
-              </a:tr>
-            </a:tbl>
-          </a:graphicData>
-        </a:graphic>
-      </p:graphicFrame>
-    </p:spTree>
-    <p:extLst>
-      <p:ext uri="{BB962C8B-B14F-4D97-AF65-F5344CB8AC3E}">
-        <p14:creationId xmlns:p14="http://schemas.microsoft.com/office/powerpoint/2010/main" val="2348118717"/>
-      </p:ext>
-    </p:extLst>
-  </p:cSld>
-  <p:clrMapOvr>
-    <a:masterClrMapping/>
-  </p:clrMapOvr>
-  <p:timing>
-    <p:tnLst>
-      <p:par>
-        <p:cTn xmlns:p14="http://schemas.microsoft.com/office/powerpoint/2010/main" id="1" dur="indefinite" restart="never" nodeType="tmRoot"/>
-      </p:par>
-    </p:tnLst>
-  </p:timing>
-</p:sld>
-</file>
-
-<file path=ppt/slides/slide6.xml><?xml version="1.0" encoding="utf-8"?>
 <p:sld xmlns:a="http://schemas.openxmlformats.org/drawingml/2006/main" xmlns:r="http://schemas.openxmlformats.org/officeDocument/2006/relationships" xmlns:p="http://schemas.openxmlformats.org/presentationml/2006/main">
   <p:cSld>
     <p:spTree>
@@ -5450,7 +4315,7 @@
 </p:sld>
 </file>
 
-<file path=ppt/slides/slide7.xml><?xml version="1.0" encoding="utf-8"?>
+<file path=ppt/slides/slide6.xml><?xml version="1.0" encoding="utf-8"?>
 <p:sld xmlns:a="http://schemas.openxmlformats.org/drawingml/2006/main" xmlns:r="http://schemas.openxmlformats.org/officeDocument/2006/relationships" xmlns:p="http://schemas.openxmlformats.org/presentationml/2006/main">
   <p:cSld>
     <p:spTree>
@@ -5575,7 +4440,7 @@
 </p:sld>
 </file>
 
-<file path=ppt/slides/slide8.xml><?xml version="1.0" encoding="utf-8"?>
+<file path=ppt/slides/slide7.xml><?xml version="1.0" encoding="utf-8"?>
 <p:sld xmlns:a="http://schemas.openxmlformats.org/drawingml/2006/main" xmlns:r="http://schemas.openxmlformats.org/officeDocument/2006/relationships" xmlns:p="http://schemas.openxmlformats.org/presentationml/2006/main">
   <p:cSld>
     <p:spTree>
@@ -5756,7 +4621,7 @@
 </p:sld>
 </file>
 
-<file path=ppt/slides/slide9.xml><?xml version="1.0" encoding="utf-8"?>
+<file path=ppt/slides/slide8.xml><?xml version="1.0" encoding="utf-8"?>
 <p:sld xmlns:a="http://schemas.openxmlformats.org/drawingml/2006/main" xmlns:r="http://schemas.openxmlformats.org/officeDocument/2006/relationships" xmlns:p="http://schemas.openxmlformats.org/presentationml/2006/main">
   <p:cSld>
     <p:spTree>
@@ -5866,6 +4731,138 @@
     <p:extLst>
       <p:ext uri="{BB962C8B-B14F-4D97-AF65-F5344CB8AC3E}">
         <p14:creationId xmlns:p14="http://schemas.microsoft.com/office/powerpoint/2010/main" val="187642793"/>
+      </p:ext>
+    </p:extLst>
+  </p:cSld>
+  <p:clrMapOvr>
+    <a:masterClrMapping/>
+  </p:clrMapOvr>
+  <p:timing>
+    <p:tnLst>
+      <p:par>
+        <p:cTn xmlns:p14="http://schemas.microsoft.com/office/powerpoint/2010/main" id="1" dur="indefinite" restart="never" nodeType="tmRoot"/>
+      </p:par>
+    </p:tnLst>
+  </p:timing>
+</p:sld>
+</file>
+
+<file path=ppt/slides/slide9.xml><?xml version="1.0" encoding="utf-8"?>
+<p:sld xmlns:a="http://schemas.openxmlformats.org/drawingml/2006/main" xmlns:r="http://schemas.openxmlformats.org/officeDocument/2006/relationships" xmlns:p="http://schemas.openxmlformats.org/presentationml/2006/main">
+  <p:cSld>
+    <p:spTree>
+      <p:nvGrpSpPr>
+        <p:cNvPr id="1" name=""/>
+        <p:cNvGrpSpPr/>
+        <p:nvPr/>
+      </p:nvGrpSpPr>
+      <p:grpSpPr>
+        <a:xfrm>
+          <a:off x="0" y="0"/>
+          <a:ext cx="0" cy="0"/>
+          <a:chOff x="0" y="0"/>
+          <a:chExt cx="0" cy="0"/>
+        </a:xfrm>
+      </p:grpSpPr>
+      <p:sp>
+        <p:nvSpPr>
+          <p:cNvPr id="2" name="Title 1"/>
+          <p:cNvSpPr>
+            <a:spLocks noGrp="1"/>
+          </p:cNvSpPr>
+          <p:nvPr>
+            <p:ph type="title"/>
+          </p:nvPr>
+        </p:nvSpPr>
+        <p:spPr/>
+        <p:txBody>
+          <a:bodyPr>
+            <a:normAutofit fontScale="90000"/>
+          </a:bodyPr>
+          <a:lstStyle/>
+          <a:p>
+            <a:r>
+              <a:rPr lang="en-US" dirty="0"/>
+              <a:t>Implier as an Execution Management System (EMS)</a:t>
+            </a:r>
+          </a:p>
+        </p:txBody>
+      </p:sp>
+      <p:sp>
+        <p:nvSpPr>
+          <p:cNvPr id="3" name="Content Placeholder 2"/>
+          <p:cNvSpPr>
+            <a:spLocks noGrp="1"/>
+          </p:cNvSpPr>
+          <p:nvPr>
+            <p:ph idx="1"/>
+          </p:nvPr>
+        </p:nvSpPr>
+        <p:spPr/>
+        <p:txBody>
+          <a:bodyPr>
+            <a:normAutofit fontScale="85000" lnSpcReduction="10000"/>
+          </a:bodyPr>
+          <a:lstStyle/>
+          <a:p>
+            <a:r>
+              <a:rPr lang="en-US" dirty="0" smtClean="0"/>
+              <a:t>The Implier could also be used to generate prices for synthetic instruments</a:t>
+            </a:r>
+          </a:p>
+          <a:p>
+            <a:r>
+              <a:rPr lang="en-US" dirty="0" smtClean="0"/>
+              <a:t>For example</a:t>
+            </a:r>
+          </a:p>
+          <a:p>
+            <a:pPr lvl="1"/>
+            <a:r>
+              <a:rPr lang="en-US" dirty="0" smtClean="0"/>
+              <a:t>WTI might be offered at 100</a:t>
+            </a:r>
+            <a:endParaRPr lang="en-US" dirty="0"/>
+          </a:p>
+          <a:p>
+            <a:pPr lvl="1"/>
+            <a:r>
+              <a:rPr lang="en-US" dirty="0" smtClean="0"/>
+              <a:t>However, the </a:t>
+            </a:r>
+            <a:r>
+              <a:rPr lang="en-US" dirty="0"/>
+              <a:t>I</a:t>
+            </a:r>
+            <a:r>
+              <a:rPr lang="en-US" dirty="0" smtClean="0"/>
+              <a:t>mplier finds a 5 leg trade that gives WTI at 80</a:t>
+            </a:r>
+          </a:p>
+          <a:p>
+            <a:pPr lvl="1"/>
+            <a:r>
+              <a:rPr lang="en-US" dirty="0" smtClean="0"/>
+              <a:t>A trader would be presented with a synthetic version of WTI that gives the best price, in this case the 5 leg trade.</a:t>
+            </a:r>
+          </a:p>
+          <a:p>
+            <a:pPr lvl="1"/>
+            <a:r>
+              <a:rPr lang="en-US" dirty="0" smtClean="0"/>
+              <a:t>This would happen seamlessly.  From a trader’s perspective they would be trading the same instrument only seeing better prices than the market at large.</a:t>
+            </a:r>
+          </a:p>
+          <a:p>
+            <a:pPr lvl="1"/>
+            <a:endParaRPr lang="en-US" dirty="0" smtClean="0"/>
+          </a:p>
+        </p:txBody>
+      </p:sp>
+    </p:spTree>
+    <p:extLst>
+      <p:ext uri="{BB962C8B-B14F-4D97-AF65-F5344CB8AC3E}">
+        <p14:creationId xmlns:p14="http://schemas.microsoft.com/office/powerpoint/2010/main" val="2872660162"/>
       </p:ext>
     </p:extLst>
   </p:cSld>
